--- a/docs/Poster/postertemplate2 (2).pptx
+++ b/docs/Poster/postertemplate2 (2).pptx
@@ -140,7 +140,7 @@
             <a:srgbClr val="A4A3A4"/>
           </p15:clr>
         </p15:guide>
-        <p15:guide id="7" pos="7449">
+        <p15:guide id="7" pos="7488" userDrawn="1">
           <p15:clr>
             <a:srgbClr val="A4A3A4"/>
           </p15:clr>
@@ -4015,6 +4015,42 @@
           <a:chExt cx="0" cy="0"/>
         </a:xfrm>
       </p:grpSpPr>
+      <p:pic>
+        <p:nvPicPr>
+          <p:cNvPr id="4" name="Picture 3"/>
+          <p:cNvPicPr>
+            <a:picLocks noChangeAspect="1"/>
+          </p:cNvPicPr>
+          <p:nvPr/>
+        </p:nvPicPr>
+        <p:blipFill>
+          <a:blip r:embed="rId3"/>
+          <a:stretch>
+            <a:fillRect/>
+          </a:stretch>
+        </p:blipFill>
+        <p:spPr>
+          <a:xfrm>
+            <a:off x="1520571" y="2628207"/>
+            <a:ext cx="8613090" cy="1397001"/>
+          </a:xfrm>
+          <a:prstGeom prst="rect">
+            <a:avLst/>
+          </a:prstGeom>
+          <a:ln w="228600" cap="sq" cmpd="thickThin">
+            <a:solidFill>
+              <a:srgbClr val="000000"/>
+            </a:solidFill>
+            <a:prstDash val="solid"/>
+            <a:miter lim="800000"/>
+          </a:ln>
+          <a:effectLst>
+            <a:innerShdw blurRad="76200">
+              <a:srgbClr val="000000"/>
+            </a:innerShdw>
+          </a:effectLst>
+        </p:spPr>
+      </p:pic>
       <p:sp>
         <p:nvSpPr>
           <p:cNvPr id="2" name="Title 1"/>
@@ -4129,8 +4165,8 @@
         </p:nvSpPr>
         <p:spPr>
           <a:xfrm>
-            <a:off x="12460433" y="4266841"/>
-            <a:ext cx="9222475" cy="27780701"/>
+            <a:off x="12460433" y="4925058"/>
+            <a:ext cx="9222475" cy="26738657"/>
           </a:xfrm>
           <a:prstGeom prst="rect">
             <a:avLst/>
@@ -4154,8 +4190,9 @@
                   <a:srgbClr val="5D87A1"/>
                 </a:solidFill>
               </a:rPr>
-              <a:t>GPS Navigation</a:t>
-            </a:r>
+              <a:t>Obstacle Avoidance</a:t>
+            </a:r>
+            <a:endParaRPr lang="en-US" sz="3600" dirty="0"/>
           </a:p>
           <a:p>
             <a:pPr>
@@ -4165,61 +4202,7 @@
             </a:pPr>
             <a:r>
               <a:rPr lang="en-US" sz="3000" dirty="0"/>
-              <a:t>For the rover’s GPS Navigation functions, we are using an algorithm that determines the shortest path between two given GPS coordinates. The GPS will also keep updating the new best route per request from the obstacle avoidance and unstuck from obstacles modules. This means that the GPS function has to work flawlessly with both of these modules to ensure the rover’s safety and efficiency. How the rover behaves during it’s driving is also critical, so the GPS function will check if the rover is off-course every few seconds and give route compensation if needed.  </a:t>
-            </a:r>
-          </a:p>
-          <a:p>
-            <a:pPr>
-              <a:spcAft>
-                <a:spcPts val="1800"/>
-              </a:spcAft>
-            </a:pPr>
-            <a:r>
-              <a:rPr lang="en-US" sz="3600" b="1" dirty="0">
-                <a:solidFill>
-                  <a:srgbClr val="5D87A1"/>
-                </a:solidFill>
-              </a:rPr>
-              <a:t>Obstacle Avoidance</a:t>
-            </a:r>
-            <a:endParaRPr lang="en-US" sz="3600" dirty="0"/>
-          </a:p>
-          <a:p>
-            <a:pPr>
-              <a:spcAft>
-                <a:spcPts val="1800"/>
-              </a:spcAft>
-            </a:pPr>
-            <a:r>
-              <a:rPr lang="en-US" sz="3000" dirty="0"/>
               <a:t>The obstacle avoidance system ensures that our rover is not impeded on its way to the destination. Taking in filtered images from the obstacle detection software, this system does edge detection on the image to find objects in the rovers path, and then decides how to best get around the object. This is done by treating the filtered black and white image as a matrix of pixels, and summing the number of edges to the left, right or in front of the rover and adjusting the direction of the rover to travel where the fewest edges are found.</a:t>
-            </a:r>
-          </a:p>
-          <a:p>
-            <a:pPr>
-              <a:spcAft>
-                <a:spcPts val="1800"/>
-              </a:spcAft>
-            </a:pPr>
-            <a:r>
-              <a:rPr lang="en-US" sz="3600" b="1" dirty="0">
-                <a:solidFill>
-                  <a:srgbClr val="5D87A1"/>
-                </a:solidFill>
-              </a:rPr>
-              <a:t>Getting Unstuck from Obstacles</a:t>
-            </a:r>
-            <a:endParaRPr lang="en-US" sz="3600" dirty="0"/>
-          </a:p>
-          <a:p>
-            <a:pPr>
-              <a:spcAft>
-                <a:spcPts val="1800"/>
-              </a:spcAft>
-            </a:pPr>
-            <a:r>
-              <a:rPr lang="en-US" sz="3000" dirty="0"/>
-              <a:t>In case the obstacle avoidance fails, and we end up hitting an obstacle, we’ve developed an algorithm to help us get unstuck from what we hit. It works by first attempting to back up the rover, and if the rover doesn’t move, back up in different directions until it does move. It detects if the rover has moved by checking the GPS coordinates. This algorithm works best if just the rover’s path forward is blocked, but it can still easily move backward.</a:t>
             </a:r>
           </a:p>
           <a:p>
@@ -4236,7 +4219,26 @@
                 <a:spcPts val="1800"/>
               </a:spcAft>
             </a:pPr>
-            <a:endParaRPr lang="en-US" sz="3000" dirty="0"/>
+            <a:r>
+              <a:rPr lang="en-US" sz="3600" b="1" dirty="0">
+                <a:solidFill>
+                  <a:srgbClr val="5D87A1"/>
+                </a:solidFill>
+              </a:rPr>
+              <a:t>Getting Unstuck From Obstacles</a:t>
+            </a:r>
+            <a:endParaRPr lang="en-US" sz="3600" dirty="0"/>
+          </a:p>
+          <a:p>
+            <a:pPr>
+              <a:spcAft>
+                <a:spcPts val="1800"/>
+              </a:spcAft>
+            </a:pPr>
+            <a:r>
+              <a:rPr lang="en-US" sz="3000" dirty="0"/>
+              <a:t>In case the obstacle avoidance fails, and we end up hitting an obstacle, we’ve developed an algorithm to help us get unstuck from what we hit. It works by first attempting to back up the rover, and if the rover doesn’t move, back up in different directions until it does move. It detects if the rover has moved by checking the GPS coordinates. This algorithm works best if just the rover’s path forward is blocked, but it can still easily move backward.</a:t>
+            </a:r>
           </a:p>
           <a:p>
             <a:pPr>
@@ -4284,6 +4286,46 @@
                 <a:spcPts val="1800"/>
               </a:spcAft>
             </a:pPr>
+            <a:endParaRPr lang="en-US" sz="3000" dirty="0"/>
+          </a:p>
+          <a:p>
+            <a:pPr>
+              <a:spcAft>
+                <a:spcPts val="1800"/>
+              </a:spcAft>
+            </a:pPr>
+            <a:endParaRPr lang="en-US" sz="3000" dirty="0"/>
+          </a:p>
+          <a:p>
+            <a:pPr>
+              <a:spcAft>
+                <a:spcPts val="1800"/>
+              </a:spcAft>
+            </a:pPr>
+            <a:endParaRPr lang="en-US" sz="3000" dirty="0"/>
+          </a:p>
+          <a:p>
+            <a:pPr>
+              <a:spcAft>
+                <a:spcPts val="1800"/>
+              </a:spcAft>
+            </a:pPr>
+            <a:endParaRPr lang="en-US" sz="3000" dirty="0"/>
+          </a:p>
+          <a:p>
+            <a:pPr>
+              <a:spcAft>
+                <a:spcPts val="1800"/>
+              </a:spcAft>
+            </a:pPr>
+            <a:endParaRPr lang="en-US" sz="3000" dirty="0"/>
+          </a:p>
+          <a:p>
+            <a:pPr>
+              <a:spcAft>
+                <a:spcPts val="1800"/>
+              </a:spcAft>
+            </a:pPr>
             <a:r>
               <a:rPr lang="en-US" sz="3600" b="1" dirty="0">
                 <a:solidFill>
@@ -4315,7 +4357,7 @@
         </p:nvSpPr>
         <p:spPr>
           <a:xfrm>
-            <a:off x="22198405" y="4266843"/>
+            <a:off x="22260958" y="4925058"/>
             <a:ext cx="9222475" cy="10249258"/>
           </a:xfrm>
           <a:prstGeom prst="rect">
@@ -4410,8 +4452,8 @@
         </p:nvSpPr>
         <p:spPr>
           <a:xfrm>
-            <a:off x="1406151" y="5331461"/>
-            <a:ext cx="8612492" cy="18962798"/>
+            <a:off x="1301262" y="4925058"/>
+            <a:ext cx="8612492" cy="27517092"/>
           </a:xfrm>
           <a:prstGeom prst="rect">
             <a:avLst/>
@@ -4466,6 +4508,14 @@
                 <a:spcPts val="1800"/>
               </a:spcAft>
             </a:pPr>
+            <a:endParaRPr lang="en-US" sz="3000" dirty="0"/>
+          </a:p>
+          <a:p>
+            <a:pPr>
+              <a:spcAft>
+                <a:spcPts val="1800"/>
+              </a:spcAft>
+            </a:pPr>
             <a:r>
               <a:rPr lang="en-US" sz="3600" b="1" dirty="0">
                 <a:solidFill>
@@ -4476,6 +4526,65 @@
             </a:r>
           </a:p>
           <a:p>
+            <a:r>
+              <a:rPr lang="en-US" sz="3000" dirty="0"/>
+              <a:t>We have implemented the following tasks:</a:t>
+            </a:r>
+          </a:p>
+          <a:p>
+            <a:pPr marL="514350" indent="-514350">
+              <a:buFont typeface="Arial" panose="020B0604020202020204" pitchFamily="34" charset="0"/>
+              <a:buChar char="•"/>
+            </a:pPr>
+            <a:r>
+              <a:rPr lang="en-US" sz="3000" dirty="0"/>
+              <a:t>Parachute Deployment</a:t>
+            </a:r>
+          </a:p>
+          <a:p>
+            <a:pPr marL="514350" indent="-514350">
+              <a:buFont typeface="Arial" panose="020B0604020202020204" pitchFamily="34" charset="0"/>
+              <a:buChar char="•"/>
+            </a:pPr>
+            <a:r>
+              <a:rPr lang="en-US" sz="3000" dirty="0"/>
+              <a:t>GPS Navigation</a:t>
+            </a:r>
+          </a:p>
+          <a:p>
+            <a:pPr marL="514350" indent="-514350">
+              <a:buFont typeface="Arial" panose="020B0604020202020204" pitchFamily="34" charset="0"/>
+              <a:buChar char="•"/>
+            </a:pPr>
+            <a:r>
+              <a:rPr lang="en-US" sz="3000" dirty="0"/>
+              <a:t>Obstacle Avoidance </a:t>
+            </a:r>
+          </a:p>
+          <a:p>
+            <a:pPr marL="514350" indent="-514350">
+              <a:buFont typeface="Arial" panose="020B0604020202020204" pitchFamily="34" charset="0"/>
+              <a:buChar char="•"/>
+            </a:pPr>
+            <a:r>
+              <a:rPr lang="en-US" sz="3000" dirty="0"/>
+              <a:t>Getting Unstuck From Obstacles</a:t>
+            </a:r>
+          </a:p>
+          <a:p>
+            <a:pPr marL="514350" indent="-514350">
+              <a:buFont typeface="Arial" panose="020B0604020202020204" pitchFamily="34" charset="0"/>
+              <a:buChar char="•"/>
+            </a:pPr>
+            <a:r>
+              <a:rPr lang="en-US" sz="3000" dirty="0"/>
+              <a:t>Hitting the Finish Pole </a:t>
+            </a:r>
+          </a:p>
+          <a:p>
+            <a:endParaRPr lang="en-US" sz="3000" dirty="0"/>
+          </a:p>
+          <a:p>
             <a:pPr>
               <a:spcAft>
                 <a:spcPts val="1800"/>
@@ -4483,8 +4592,16 @@
             </a:pPr>
             <a:r>
               <a:rPr lang="en-US" sz="3000" dirty="0"/>
-              <a:t>We implemented our software by splitting it up into separate tasks. The tasks we came up with were: parachute deployment, GPS navigation, obstacle avoidance, getting unstuck from obstacles, and hitting the finish pole. In addition, many tasks were implemented utilizing the onboard camera, which we had to create obstacle detection software for.</a:t>
-            </a:r>
+              <a:t>In addition, many tasks were implemented utilizing the onboard camera, which we had to create obstacle detection software for</a:t>
+            </a:r>
+          </a:p>
+          <a:p>
+            <a:pPr>
+              <a:spcAft>
+                <a:spcPts val="1800"/>
+              </a:spcAft>
+            </a:pPr>
+            <a:endParaRPr lang="en-US" sz="3000" dirty="0"/>
           </a:p>
           <a:p>
             <a:pPr>
@@ -4511,6 +4628,47 @@
               <a:rPr lang="en-US" sz="3000" dirty="0"/>
               <a:t>Once the rover is dropped from the rocket, we had to determine at what point to deploy the parachute. We accomplished this by tracking the GPS coordinates height, and deploying the parachute once we dropped below a certain altitude. This way, the wind won’t carry us as far as if we deployed the parachute immediately.</a:t>
             </a:r>
+          </a:p>
+          <a:p>
+            <a:pPr>
+              <a:spcAft>
+                <a:spcPts val="1800"/>
+              </a:spcAft>
+            </a:pPr>
+            <a:endParaRPr lang="en-US" sz="3000" dirty="0"/>
+          </a:p>
+          <a:p>
+            <a:pPr>
+              <a:spcAft>
+                <a:spcPts val="1800"/>
+              </a:spcAft>
+            </a:pPr>
+            <a:r>
+              <a:rPr lang="en-US" sz="3600" b="1" dirty="0">
+                <a:solidFill>
+                  <a:srgbClr val="5D87A1"/>
+                </a:solidFill>
+              </a:rPr>
+              <a:t>GPS Navigation</a:t>
+            </a:r>
+          </a:p>
+          <a:p>
+            <a:pPr>
+              <a:spcAft>
+                <a:spcPts val="1800"/>
+              </a:spcAft>
+            </a:pPr>
+            <a:r>
+              <a:rPr lang="en-US" sz="3000" dirty="0"/>
+              <a:t>For the rover’s GPS Navigation functions, we are using an algorithm that determines the shortest path between two given GPS coordinates. The GPS will also keep updating the new best route per request from the obstacle avoidance and unstuck from obstacles modules. This means that the GPS function has to work flawlessly with both of these modules to ensure the rover’s safety and efficiency. How the rover behaves during it’s driving is also critical, so the GPS function will check if the rover is off-course every few seconds and give route compensation if needed.  </a:t>
+            </a:r>
+          </a:p>
+          <a:p>
+            <a:pPr>
+              <a:spcAft>
+                <a:spcPts val="1800"/>
+              </a:spcAft>
+            </a:pPr>
             <a:endParaRPr lang="en-US" sz="3000" b="1" dirty="0">
               <a:solidFill>
                 <a:srgbClr val="5D87A1"/>
@@ -4521,7 +4679,7 @@
       </p:sp>
       <p:sp>
         <p:nvSpPr>
-          <p:cNvPr id="28" name="Subtitle 2"/>
+          <p:cNvPr id="30" name="Subtitle 2"/>
           <p:cNvSpPr txBox="1">
             <a:spLocks/>
           </p:cNvSpPr>
@@ -4529,8 +4687,8 @@
         </p:nvSpPr>
         <p:spPr>
           <a:xfrm>
-            <a:off x="1301262" y="2778448"/>
-            <a:ext cx="8717381" cy="2146611"/>
+            <a:off x="34493201" y="4266842"/>
+            <a:ext cx="7827420" cy="1316433"/>
           </a:xfrm>
           <a:prstGeom prst="rect">
             <a:avLst/>
@@ -4696,195 +4854,6 @@
             </a:lvl9pPr>
           </a:lstStyle>
           <a:p>
-            <a:pPr algn="l"/>
-            <a:r>
-              <a:rPr lang="en-US" sz="5400" dirty="0">
-                <a:solidFill>
-                  <a:srgbClr val="F37321"/>
-                </a:solidFill>
-              </a:rPr>
-              <a:t>What it is and how we did it</a:t>
-            </a:r>
-          </a:p>
-        </p:txBody>
-      </p:sp>
-      <p:sp>
-        <p:nvSpPr>
-          <p:cNvPr id="30" name="Subtitle 2"/>
-          <p:cNvSpPr txBox="1">
-            <a:spLocks/>
-          </p:cNvSpPr>
-          <p:nvPr/>
-        </p:nvSpPr>
-        <p:spPr>
-          <a:xfrm>
-            <a:off x="34493201" y="4266842"/>
-            <a:ext cx="7827420" cy="1316433"/>
-          </a:xfrm>
-          <a:prstGeom prst="rect">
-            <a:avLst/>
-          </a:prstGeom>
-        </p:spPr>
-        <p:txBody>
-          <a:bodyPr vert="horz" lIns="0" tIns="0" rIns="0" bIns="0" rtlCol="0">
-            <a:noAutofit/>
-          </a:bodyPr>
-          <a:lstStyle>
-            <a:lvl1pPr marL="0" indent="0" algn="ctr" defTabSz="2191405" rtl="0" eaLnBrk="1" latinLnBrk="0" hangingPunct="1">
-              <a:spcBef>
-                <a:spcPct val="20000"/>
-              </a:spcBef>
-              <a:buFont typeface="Arial"/>
-              <a:buNone/>
-              <a:defRPr sz="15300" kern="1200">
-                <a:solidFill>
-                  <a:schemeClr val="tx1">
-                    <a:tint val="75000"/>
-                  </a:schemeClr>
-                </a:solidFill>
-                <a:latin typeface="+mn-lt"/>
-                <a:ea typeface="+mn-ea"/>
-                <a:cs typeface="+mn-cs"/>
-              </a:defRPr>
-            </a:lvl1pPr>
-            <a:lvl2pPr marL="2191405" indent="0" algn="ctr" defTabSz="2191405" rtl="0" eaLnBrk="1" latinLnBrk="0" hangingPunct="1">
-              <a:spcBef>
-                <a:spcPct val="20000"/>
-              </a:spcBef>
-              <a:buFont typeface="Arial"/>
-              <a:buNone/>
-              <a:defRPr sz="13400" kern="1200">
-                <a:solidFill>
-                  <a:schemeClr val="tx1">
-                    <a:tint val="75000"/>
-                  </a:schemeClr>
-                </a:solidFill>
-                <a:latin typeface="+mn-lt"/>
-                <a:ea typeface="+mn-ea"/>
-                <a:cs typeface="+mn-cs"/>
-              </a:defRPr>
-            </a:lvl2pPr>
-            <a:lvl3pPr marL="4382811" indent="0" algn="ctr" defTabSz="2191405" rtl="0" eaLnBrk="1" latinLnBrk="0" hangingPunct="1">
-              <a:spcBef>
-                <a:spcPct val="20000"/>
-              </a:spcBef>
-              <a:buFont typeface="Arial"/>
-              <a:buNone/>
-              <a:defRPr sz="11500" kern="1200">
-                <a:solidFill>
-                  <a:schemeClr val="tx1">
-                    <a:tint val="75000"/>
-                  </a:schemeClr>
-                </a:solidFill>
-                <a:latin typeface="+mn-lt"/>
-                <a:ea typeface="+mn-ea"/>
-                <a:cs typeface="+mn-cs"/>
-              </a:defRPr>
-            </a:lvl3pPr>
-            <a:lvl4pPr marL="6574216" indent="0" algn="ctr" defTabSz="2191405" rtl="0" eaLnBrk="1" latinLnBrk="0" hangingPunct="1">
-              <a:spcBef>
-                <a:spcPct val="20000"/>
-              </a:spcBef>
-              <a:buFont typeface="Arial"/>
-              <a:buNone/>
-              <a:defRPr sz="9600" kern="1200">
-                <a:solidFill>
-                  <a:schemeClr val="tx1">
-                    <a:tint val="75000"/>
-                  </a:schemeClr>
-                </a:solidFill>
-                <a:latin typeface="+mn-lt"/>
-                <a:ea typeface="+mn-ea"/>
-                <a:cs typeface="+mn-cs"/>
-              </a:defRPr>
-            </a:lvl4pPr>
-            <a:lvl5pPr marL="8765621" indent="0" algn="ctr" defTabSz="2191405" rtl="0" eaLnBrk="1" latinLnBrk="0" hangingPunct="1">
-              <a:spcBef>
-                <a:spcPct val="20000"/>
-              </a:spcBef>
-              <a:buFont typeface="Arial"/>
-              <a:buNone/>
-              <a:defRPr sz="9600" kern="1200">
-                <a:solidFill>
-                  <a:schemeClr val="tx1">
-                    <a:tint val="75000"/>
-                  </a:schemeClr>
-                </a:solidFill>
-                <a:latin typeface="+mn-lt"/>
-                <a:ea typeface="+mn-ea"/>
-                <a:cs typeface="+mn-cs"/>
-              </a:defRPr>
-            </a:lvl5pPr>
-            <a:lvl6pPr marL="10957027" indent="0" algn="ctr" defTabSz="2191405" rtl="0" eaLnBrk="1" latinLnBrk="0" hangingPunct="1">
-              <a:spcBef>
-                <a:spcPct val="20000"/>
-              </a:spcBef>
-              <a:buFont typeface="Arial"/>
-              <a:buNone/>
-              <a:defRPr sz="9600" kern="1200">
-                <a:solidFill>
-                  <a:schemeClr val="tx1">
-                    <a:tint val="75000"/>
-                  </a:schemeClr>
-                </a:solidFill>
-                <a:latin typeface="+mn-lt"/>
-                <a:ea typeface="+mn-ea"/>
-                <a:cs typeface="+mn-cs"/>
-              </a:defRPr>
-            </a:lvl6pPr>
-            <a:lvl7pPr marL="13148432" indent="0" algn="ctr" defTabSz="2191405" rtl="0" eaLnBrk="1" latinLnBrk="0" hangingPunct="1">
-              <a:spcBef>
-                <a:spcPct val="20000"/>
-              </a:spcBef>
-              <a:buFont typeface="Arial"/>
-              <a:buNone/>
-              <a:defRPr sz="9600" kern="1200">
-                <a:solidFill>
-                  <a:schemeClr val="tx1">
-                    <a:tint val="75000"/>
-                  </a:schemeClr>
-                </a:solidFill>
-                <a:latin typeface="+mn-lt"/>
-                <a:ea typeface="+mn-ea"/>
-                <a:cs typeface="+mn-cs"/>
-              </a:defRPr>
-            </a:lvl7pPr>
-            <a:lvl8pPr marL="15339837" indent="0" algn="ctr" defTabSz="2191405" rtl="0" eaLnBrk="1" latinLnBrk="0" hangingPunct="1">
-              <a:spcBef>
-                <a:spcPct val="20000"/>
-              </a:spcBef>
-              <a:buFont typeface="Arial"/>
-              <a:buNone/>
-              <a:defRPr sz="9600" kern="1200">
-                <a:solidFill>
-                  <a:schemeClr val="tx1">
-                    <a:tint val="75000"/>
-                  </a:schemeClr>
-                </a:solidFill>
-                <a:latin typeface="+mn-lt"/>
-                <a:ea typeface="+mn-ea"/>
-                <a:cs typeface="+mn-cs"/>
-              </a:defRPr>
-            </a:lvl8pPr>
-            <a:lvl9pPr marL="17531243" indent="0" algn="ctr" defTabSz="2191405" rtl="0" eaLnBrk="1" latinLnBrk="0" hangingPunct="1">
-              <a:spcBef>
-                <a:spcPct val="20000"/>
-              </a:spcBef>
-              <a:buFont typeface="Arial"/>
-              <a:buNone/>
-              <a:defRPr sz="9600" kern="1200">
-                <a:solidFill>
-                  <a:schemeClr val="tx1">
-                    <a:tint val="75000"/>
-                  </a:schemeClr>
-                </a:solidFill>
-                <a:latin typeface="+mn-lt"/>
-                <a:ea typeface="+mn-ea"/>
-                <a:cs typeface="+mn-cs"/>
-              </a:defRPr>
-            </a:lvl9pPr>
-          </a:lstStyle>
-          <a:p>
             <a:r>
               <a:rPr lang="en-US" sz="7200" dirty="0">
                 <a:solidFill>
@@ -5112,66 +5081,6 @@
       <p:pic>
         <p:nvPicPr>
           <p:cNvPr id="8" name="Picture 7"/>
-          <p:cNvPicPr>
-            <a:picLocks noChangeAspect="1"/>
-          </p:cNvPicPr>
-          <p:nvPr/>
-        </p:nvPicPr>
-        <p:blipFill>
-          <a:blip r:embed="rId3"/>
-          <a:stretch>
-            <a:fillRect/>
-          </a:stretch>
-        </p:blipFill>
-        <p:spPr>
-          <a:xfrm>
-            <a:off x="22323512" y="14516101"/>
-            <a:ext cx="9097369" cy="6823026"/>
-          </a:xfrm>
-          <a:prstGeom prst="rect">
-            <a:avLst/>
-          </a:prstGeom>
-        </p:spPr>
-      </p:pic>
-      <p:sp>
-        <p:nvSpPr>
-          <p:cNvPr id="10" name="Rectangle 9"/>
-          <p:cNvSpPr/>
-          <p:nvPr/>
-        </p:nvSpPr>
-        <p:spPr>
-          <a:xfrm>
-            <a:off x="22292234" y="21327495"/>
-            <a:ext cx="9159924" cy="1673022"/>
-          </a:xfrm>
-          <a:prstGeom prst="rect">
-            <a:avLst/>
-          </a:prstGeom>
-        </p:spPr>
-        <p:txBody>
-          <a:bodyPr wrap="square">
-            <a:spAutoFit/>
-          </a:bodyPr>
-          <a:lstStyle/>
-          <a:p>
-            <a:pPr>
-              <a:lnSpc>
-                <a:spcPct val="107000"/>
-              </a:lnSpc>
-              <a:spcAft>
-                <a:spcPts val="400"/>
-              </a:spcAft>
-            </a:pPr>
-            <a:r>
-              <a:rPr lang="en-US" sz="2400" dirty="0"/>
-              <a:t>Image 1 shows the original image. Image 2 shows the image after it has been converted to grayscale. Image 3 shows the image after it has been smoothed. Image 4 shows the image after the Canny filter has been applied.</a:t>
-            </a:r>
-          </a:p>
-        </p:txBody>
-      </p:sp>
-      <p:pic>
-        <p:nvPicPr>
-          <p:cNvPr id="12" name="Picture 11"/>
           <p:cNvPicPr>
             <a:picLocks noChangeAspect="1"/>
           </p:cNvPicPr>
@@ -5185,7 +5094,31 @@
         </p:blipFill>
         <p:spPr>
           <a:xfrm>
-            <a:off x="12401612" y="21966380"/>
+            <a:off x="22386064" y="15832531"/>
+            <a:ext cx="9097369" cy="6823026"/>
+          </a:xfrm>
+          <a:prstGeom prst="rect">
+            <a:avLst/>
+          </a:prstGeom>
+        </p:spPr>
+      </p:pic>
+      <p:pic>
+        <p:nvPicPr>
+          <p:cNvPr id="12" name="Picture 11"/>
+          <p:cNvPicPr>
+            <a:picLocks noChangeAspect="1"/>
+          </p:cNvPicPr>
+          <p:nvPr/>
+        </p:nvPicPr>
+        <p:blipFill>
+          <a:blip r:embed="rId5"/>
+          <a:stretch>
+            <a:fillRect/>
+          </a:stretch>
+        </p:blipFill>
+        <p:spPr>
+          <a:xfrm>
+            <a:off x="12460433" y="18076000"/>
             <a:ext cx="8044354" cy="4579557"/>
           </a:xfrm>
           <a:prstGeom prst="rect">
@@ -5202,7 +5135,7 @@
           <p:nvPr/>
         </p:nvPicPr>
         <p:blipFill>
-          <a:blip r:embed="rId5"/>
+          <a:blip r:embed="rId6"/>
           <a:stretch>
             <a:fillRect/>
           </a:stretch>
@@ -5226,7 +5159,7 @@
           <p:nvPr/>
         </p:nvPicPr>
         <p:blipFill>
-          <a:blip r:embed="rId6"/>
+          <a:blip r:embed="rId7"/>
           <a:stretch>
             <a:fillRect/>
           </a:stretch>
